--- a/vwan/03-vwan-route-through-nva-bgp/media/network-diagram.pptx
+++ b/vwan/03-vwan-route-through-nva-bgp/media/network-diagram.pptx
@@ -12547,7 +12547,7 @@
         </p:nvCxnSpPr>
         <p:spPr>
           <a:xfrm>
-            <a:off x="3921322" y="1722817"/>
+            <a:off x="3921322" y="1772512"/>
             <a:ext cx="378986" cy="422539"/>
           </a:xfrm>
           <a:prstGeom prst="line">
@@ -12590,7 +12590,7 @@
         </p:nvCxnSpPr>
         <p:spPr>
           <a:xfrm>
-            <a:off x="4935989" y="1722817"/>
+            <a:off x="4935989" y="1772512"/>
             <a:ext cx="0" cy="381995"/>
           </a:xfrm>
           <a:prstGeom prst="line">
@@ -12633,7 +12633,7 @@
         </p:nvCxnSpPr>
         <p:spPr>
           <a:xfrm>
-            <a:off x="4600813" y="2723884"/>
+            <a:off x="4600813" y="2773579"/>
             <a:ext cx="0" cy="789161"/>
           </a:xfrm>
           <a:prstGeom prst="line">
@@ -12674,7 +12674,7 @@
         </p:nvSpPr>
         <p:spPr>
           <a:xfrm>
-            <a:off x="4286109" y="2083002"/>
+            <a:off x="4286109" y="2132697"/>
             <a:ext cx="1306335" cy="762641"/>
           </a:xfrm>
           <a:prstGeom prst="flowChartAlternateProcess">
@@ -12726,7 +12726,7 @@
         </p:nvSpPr>
         <p:spPr>
           <a:xfrm>
-            <a:off x="4314198" y="2086959"/>
+            <a:off x="4314198" y="2136654"/>
             <a:ext cx="478015" cy="261610"/>
           </a:xfrm>
           <a:prstGeom prst="rect">
@@ -12769,7 +12769,7 @@
         </p:nvCxnSpPr>
         <p:spPr>
           <a:xfrm>
-            <a:off x="4771147" y="2738671"/>
+            <a:off x="4771147" y="2788366"/>
             <a:ext cx="0" cy="747516"/>
           </a:xfrm>
           <a:prstGeom prst="line">
@@ -12810,7 +12810,7 @@
         </p:nvSpPr>
         <p:spPr>
           <a:xfrm>
-            <a:off x="4399003" y="3309146"/>
+            <a:off x="4399003" y="3358841"/>
             <a:ext cx="1427062" cy="735000"/>
           </a:xfrm>
           <a:prstGeom prst="flowChartAlternateProcess">
@@ -12870,7 +12870,7 @@
         </p:blipFill>
         <p:spPr>
           <a:xfrm>
-            <a:off x="5135842" y="3538195"/>
+            <a:off x="5135842" y="3587890"/>
             <a:ext cx="327660" cy="327660"/>
           </a:xfrm>
           <a:prstGeom prst="rect">
@@ -12892,7 +12892,7 @@
         </p:nvSpPr>
         <p:spPr>
           <a:xfrm>
-            <a:off x="4915813" y="3321060"/>
+            <a:off x="4915813" y="3370755"/>
             <a:ext cx="873957" cy="261610"/>
           </a:xfrm>
           <a:prstGeom prst="rect">
@@ -12942,7 +12942,7 @@
         </p:blipFill>
         <p:spPr>
           <a:xfrm>
-            <a:off x="4846578" y="3033561"/>
+            <a:off x="4846578" y="3083256"/>
             <a:ext cx="388064" cy="248361"/>
           </a:xfrm>
           <a:prstGeom prst="rect">
@@ -12964,7 +12964,7 @@
         </p:nvSpPr>
         <p:spPr>
           <a:xfrm>
-            <a:off x="5167204" y="2945131"/>
+            <a:off x="5167204" y="2994826"/>
             <a:ext cx="1066319" cy="430887"/>
           </a:xfrm>
           <a:prstGeom prst="rect">
@@ -13032,7 +13032,7 @@
         </p:nvSpPr>
         <p:spPr>
           <a:xfrm>
-            <a:off x="4353273" y="3557157"/>
+            <a:off x="4353273" y="3606852"/>
             <a:ext cx="705641" cy="261610"/>
           </a:xfrm>
           <a:prstGeom prst="rect">
@@ -13087,7 +13087,7 @@
         </p:blipFill>
         <p:spPr>
           <a:xfrm>
-            <a:off x="4532549" y="3265921"/>
+            <a:off x="4532549" y="3315616"/>
             <a:ext cx="311920" cy="346036"/>
           </a:xfrm>
           <a:prstGeom prst="rect">
@@ -13117,7 +13117,7 @@
         </p:blipFill>
         <p:spPr>
           <a:xfrm>
-            <a:off x="5559881" y="3688940"/>
+            <a:off x="5559881" y="3738635"/>
             <a:ext cx="346710" cy="358140"/>
           </a:xfrm>
           <a:prstGeom prst="rect">
@@ -13139,7 +13139,7 @@
         </p:nvSpPr>
         <p:spPr>
           <a:xfrm>
-            <a:off x="4710904" y="2464798"/>
+            <a:off x="4710904" y="2514493"/>
             <a:ext cx="976550" cy="261610"/>
           </a:xfrm>
           <a:prstGeom prst="rect">
@@ -13195,7 +13195,7 @@
         </p:nvSpPr>
         <p:spPr>
           <a:xfrm>
-            <a:off x="4006675" y="2800359"/>
+            <a:off x="4006675" y="2850054"/>
             <a:ext cx="627096" cy="261610"/>
           </a:xfrm>
           <a:prstGeom prst="rect">
@@ -13251,7 +13251,7 @@
         </p:nvSpPr>
         <p:spPr>
           <a:xfrm>
-            <a:off x="4716411" y="2820243"/>
+            <a:off x="4716411" y="2869938"/>
             <a:ext cx="627096" cy="261610"/>
           </a:xfrm>
           <a:prstGeom prst="rect">
@@ -13307,7 +13307,7 @@
         </p:nvGrpSpPr>
         <p:grpSpPr>
           <a:xfrm>
-            <a:off x="3381473" y="12538"/>
+            <a:off x="3381473" y="62233"/>
             <a:ext cx="1135373" cy="650810"/>
             <a:chOff x="2770259" y="2609300"/>
             <a:chExt cx="1135373" cy="650183"/>
@@ -13469,7 +13469,7 @@
         </p:blipFill>
         <p:spPr>
           <a:xfrm>
-            <a:off x="4119734" y="340589"/>
+            <a:off x="4119734" y="390284"/>
             <a:ext cx="327660" cy="327660"/>
           </a:xfrm>
           <a:prstGeom prst="rect">
@@ -13491,7 +13491,7 @@
         </p:nvSpPr>
         <p:spPr>
           <a:xfrm>
-            <a:off x="4146377" y="98928"/>
+            <a:off x="4146377" y="148623"/>
             <a:ext cx="433132" cy="261610"/>
           </a:xfrm>
           <a:prstGeom prst="rect">
@@ -13540,7 +13540,7 @@
         </p:nvCxnSpPr>
         <p:spPr>
           <a:xfrm>
-            <a:off x="4308510" y="641263"/>
+            <a:off x="4308510" y="690958"/>
             <a:ext cx="345612" cy="493185"/>
           </a:xfrm>
           <a:prstGeom prst="line">
@@ -13581,7 +13581,7 @@
         </p:nvSpPr>
         <p:spPr>
           <a:xfrm>
-            <a:off x="6781577" y="2104161"/>
+            <a:off x="6781577" y="2153856"/>
             <a:ext cx="1277067" cy="726918"/>
           </a:xfrm>
           <a:prstGeom prst="flowChartAlternateProcess">
@@ -13635,7 +13635,7 @@
         </p:nvCxnSpPr>
         <p:spPr>
           <a:xfrm>
-            <a:off x="5571144" y="2528504"/>
+            <a:off x="5571144" y="2578199"/>
             <a:ext cx="1189133" cy="10579"/>
           </a:xfrm>
           <a:prstGeom prst="line">
@@ -13678,7 +13678,7 @@
         </p:nvCxnSpPr>
         <p:spPr>
           <a:xfrm>
-            <a:off x="5578075" y="2414598"/>
+            <a:off x="5578075" y="2464293"/>
             <a:ext cx="1228098" cy="12725"/>
           </a:xfrm>
           <a:prstGeom prst="line">
@@ -13721,7 +13721,7 @@
         </p:nvCxnSpPr>
         <p:spPr>
           <a:xfrm>
-            <a:off x="7101681" y="2637880"/>
+            <a:off x="7101681" y="2687575"/>
             <a:ext cx="4607" cy="911927"/>
           </a:xfrm>
           <a:prstGeom prst="line">
@@ -13764,7 +13764,7 @@
         </p:nvCxnSpPr>
         <p:spPr>
           <a:xfrm>
-            <a:off x="7215903" y="2637880"/>
+            <a:off x="7215903" y="2687575"/>
             <a:ext cx="0" cy="842542"/>
           </a:xfrm>
           <a:prstGeom prst="line">
@@ -13805,7 +13805,7 @@
         </p:nvSpPr>
         <p:spPr>
           <a:xfrm>
-            <a:off x="6880006" y="3372766"/>
+            <a:off x="6880006" y="3422461"/>
             <a:ext cx="1427062" cy="703482"/>
           </a:xfrm>
           <a:prstGeom prst="flowChartAlternateProcess">
@@ -13865,7 +13865,7 @@
         </p:blipFill>
         <p:spPr>
           <a:xfrm>
-            <a:off x="7606704" y="3552556"/>
+            <a:off x="7606704" y="3602251"/>
             <a:ext cx="327660" cy="327660"/>
           </a:xfrm>
           <a:prstGeom prst="rect">
@@ -13887,7 +13887,7 @@
         </p:nvSpPr>
         <p:spPr>
           <a:xfrm>
-            <a:off x="7433111" y="3360157"/>
+            <a:off x="7433111" y="3409852"/>
             <a:ext cx="873957" cy="261610"/>
           </a:xfrm>
           <a:prstGeom prst="rect">
@@ -13937,7 +13937,7 @@
         </p:blipFill>
         <p:spPr>
           <a:xfrm>
-            <a:off x="7326286" y="3058570"/>
+            <a:off x="7326286" y="3108265"/>
             <a:ext cx="388064" cy="248361"/>
           </a:xfrm>
           <a:prstGeom prst="rect">
@@ -13959,7 +13959,7 @@
         </p:nvSpPr>
         <p:spPr>
           <a:xfrm>
-            <a:off x="7635036" y="2994099"/>
+            <a:off x="7635036" y="3043794"/>
             <a:ext cx="1066318" cy="430887"/>
           </a:xfrm>
           <a:prstGeom prst="rect">
@@ -14027,7 +14027,7 @@
         </p:nvSpPr>
         <p:spPr>
           <a:xfrm>
-            <a:off x="6847155" y="3620187"/>
+            <a:off x="6847155" y="3669882"/>
             <a:ext cx="705641" cy="261610"/>
           </a:xfrm>
           <a:prstGeom prst="rect">
@@ -14082,7 +14082,7 @@
         </p:blipFill>
         <p:spPr>
           <a:xfrm>
-            <a:off x="7003411" y="3352340"/>
+            <a:off x="7003411" y="3402035"/>
             <a:ext cx="311920" cy="346036"/>
           </a:xfrm>
           <a:prstGeom prst="rect">
@@ -14112,7 +14112,7 @@
         </p:blipFill>
         <p:spPr>
           <a:xfrm>
-            <a:off x="8054503" y="3765278"/>
+            <a:off x="8054503" y="3814973"/>
             <a:ext cx="346710" cy="358140"/>
           </a:xfrm>
           <a:prstGeom prst="rect">
@@ -14134,7 +14134,7 @@
         </p:nvSpPr>
         <p:spPr>
           <a:xfrm>
-            <a:off x="6526720" y="2827552"/>
+            <a:off x="6526720" y="2877247"/>
             <a:ext cx="627096" cy="261610"/>
           </a:xfrm>
           <a:prstGeom prst="rect">
@@ -14190,7 +14190,7 @@
         </p:nvSpPr>
         <p:spPr>
           <a:xfrm>
-            <a:off x="7186751" y="2804055"/>
+            <a:off x="7186751" y="2853750"/>
             <a:ext cx="627096" cy="261610"/>
           </a:xfrm>
           <a:prstGeom prst="rect">
@@ -14254,7 +14254,7 @@
         </p:blipFill>
         <p:spPr>
           <a:xfrm>
-            <a:off x="8102572" y="2112062"/>
+            <a:off x="8102572" y="2161757"/>
             <a:ext cx="308898" cy="308898"/>
           </a:xfrm>
           <a:prstGeom prst="rect">
@@ -14292,7 +14292,7 @@
         </p:blipFill>
         <p:spPr>
           <a:xfrm>
-            <a:off x="4475174" y="2398202"/>
+            <a:off x="4475174" y="2447897"/>
             <a:ext cx="417216" cy="417216"/>
           </a:xfrm>
           <a:prstGeom prst="rect">
@@ -14314,7 +14314,7 @@
         </p:nvGrpSpPr>
         <p:grpSpPr>
           <a:xfrm>
-            <a:off x="4309578" y="1112918"/>
+            <a:off x="4309578" y="1162613"/>
             <a:ext cx="1214317" cy="631715"/>
             <a:chOff x="2936976" y="2628377"/>
             <a:chExt cx="1048140" cy="631106"/>
@@ -14474,7 +14474,7 @@
         </p:nvSpPr>
         <p:spPr>
           <a:xfrm>
-            <a:off x="5031372" y="1159825"/>
+            <a:off x="5031372" y="1209520"/>
             <a:ext cx="488184" cy="261610"/>
           </a:xfrm>
           <a:prstGeom prst="rect">
@@ -14529,7 +14529,7 @@
         </p:blipFill>
         <p:spPr>
           <a:xfrm>
-            <a:off x="5103403" y="1389425"/>
+            <a:off x="5103403" y="1439120"/>
             <a:ext cx="296568" cy="296568"/>
           </a:xfrm>
           <a:prstGeom prst="rect">
@@ -14553,7 +14553,7 @@
         </p:nvCxnSpPr>
         <p:spPr>
           <a:xfrm flipH="1">
-            <a:off x="5062866" y="691457"/>
+            <a:off x="5062866" y="741152"/>
             <a:ext cx="233620" cy="444740"/>
           </a:xfrm>
           <a:prstGeom prst="line">
@@ -14596,7 +14596,7 @@
         </p:nvCxnSpPr>
         <p:spPr>
           <a:xfrm>
-            <a:off x="6674282" y="1750966"/>
+            <a:off x="6674282" y="1800661"/>
             <a:ext cx="263783" cy="337674"/>
           </a:xfrm>
           <a:prstGeom prst="line">
@@ -14639,7 +14639,7 @@
         </p:nvCxnSpPr>
         <p:spPr>
           <a:xfrm>
-            <a:off x="7520318" y="1808644"/>
+            <a:off x="7520318" y="1858339"/>
             <a:ext cx="0" cy="341144"/>
           </a:xfrm>
           <a:prstGeom prst="line">
@@ -14682,7 +14682,7 @@
         </p:nvCxnSpPr>
         <p:spPr>
           <a:xfrm>
-            <a:off x="7011079" y="679715"/>
+            <a:off x="7011079" y="729410"/>
             <a:ext cx="345612" cy="493185"/>
           </a:xfrm>
           <a:prstGeom prst="line">
@@ -14725,7 +14725,7 @@
         </p:nvCxnSpPr>
         <p:spPr>
           <a:xfrm flipH="1">
-            <a:off x="7765435" y="729909"/>
+            <a:off x="7765435" y="779604"/>
             <a:ext cx="233620" cy="444740"/>
           </a:xfrm>
           <a:prstGeom prst="line">
@@ -14768,7 +14768,7 @@
         </p:nvCxnSpPr>
         <p:spPr>
           <a:xfrm>
-            <a:off x="5032397" y="1695558"/>
+            <a:off x="5032397" y="1745253"/>
             <a:ext cx="0" cy="546569"/>
           </a:xfrm>
           <a:prstGeom prst="straightConnector1">
@@ -14811,7 +14811,7 @@
         </p:nvGrpSpPr>
         <p:grpSpPr>
           <a:xfrm>
-            <a:off x="4909619" y="2267375"/>
+            <a:off x="4909619" y="2317070"/>
             <a:ext cx="513213" cy="288930"/>
             <a:chOff x="2830768" y="994020"/>
             <a:chExt cx="665705" cy="339103"/>
@@ -14912,7 +14912,7 @@
         </p:blipFill>
         <p:spPr>
           <a:xfrm>
-            <a:off x="6930347" y="2398400"/>
+            <a:off x="6930347" y="2448095"/>
             <a:ext cx="417216" cy="417216"/>
           </a:xfrm>
           <a:prstGeom prst="rect">
@@ -14936,7 +14936,7 @@
         </p:nvCxnSpPr>
         <p:spPr>
           <a:xfrm>
-            <a:off x="5151980" y="1716305"/>
+            <a:off x="5151980" y="1766000"/>
             <a:ext cx="2759" cy="525822"/>
           </a:xfrm>
           <a:prstGeom prst="straightConnector1">
@@ -14979,7 +14979,7 @@
         </p:nvGrpSpPr>
         <p:grpSpPr>
           <a:xfrm>
-            <a:off x="7542243" y="2242127"/>
+            <a:off x="7542243" y="2291822"/>
             <a:ext cx="513213" cy="288930"/>
             <a:chOff x="2830768" y="994020"/>
             <a:chExt cx="665705" cy="339103"/>
@@ -15066,7 +15066,7 @@
         </p:nvCxnSpPr>
         <p:spPr>
           <a:xfrm flipH="1">
-            <a:off x="7665773" y="1735592"/>
+            <a:off x="7665773" y="1785287"/>
             <a:ext cx="3610" cy="506535"/>
           </a:xfrm>
           <a:prstGeom prst="straightConnector1">
@@ -15109,7 +15109,7 @@
         </p:nvSpPr>
         <p:spPr>
           <a:xfrm>
-            <a:off x="7191645" y="2489052"/>
+            <a:off x="7191645" y="2538747"/>
             <a:ext cx="976550" cy="261610"/>
           </a:xfrm>
           <a:prstGeom prst="rect">
@@ -15167,7 +15167,7 @@
         </p:nvCxnSpPr>
         <p:spPr>
           <a:xfrm flipH="1">
-            <a:off x="7818411" y="1784966"/>
+            <a:off x="7818411" y="1834661"/>
             <a:ext cx="3171" cy="477491"/>
           </a:xfrm>
           <a:prstGeom prst="straightConnector1">
@@ -15210,7 +15210,7 @@
         </p:nvGrpSpPr>
         <p:grpSpPr>
           <a:xfrm>
-            <a:off x="6097499" y="1153742"/>
+            <a:off x="6097499" y="1203437"/>
             <a:ext cx="873545" cy="608945"/>
             <a:chOff x="3032087" y="2651125"/>
             <a:chExt cx="873545" cy="608358"/>
@@ -15359,7 +15359,7 @@
         </p:blipFill>
         <p:spPr>
           <a:xfrm>
-            <a:off x="6573932" y="1439926"/>
+            <a:off x="6573932" y="1489621"/>
             <a:ext cx="327660" cy="327660"/>
           </a:xfrm>
           <a:prstGeom prst="rect">
@@ -15381,7 +15381,7 @@
         </p:nvSpPr>
         <p:spPr>
           <a:xfrm>
-            <a:off x="6510830" y="1205645"/>
+            <a:off x="6510830" y="1255340"/>
             <a:ext cx="433132" cy="261610"/>
           </a:xfrm>
           <a:prstGeom prst="rect">
@@ -15428,7 +15428,7 @@
         </p:nvSpPr>
         <p:spPr>
           <a:xfrm>
-            <a:off x="6847155" y="2064706"/>
+            <a:off x="6847155" y="2114401"/>
             <a:ext cx="478015" cy="261610"/>
           </a:xfrm>
           <a:prstGeom prst="rect">
@@ -15477,7 +15477,7 @@
         </p:blipFill>
         <p:spPr>
           <a:xfrm>
-            <a:off x="3969250" y="2280942"/>
+            <a:off x="3969250" y="2330637"/>
             <a:ext cx="308898" cy="308898"/>
           </a:xfrm>
           <a:prstGeom prst="rect">
@@ -15499,7 +15499,7 @@
         </p:nvSpPr>
         <p:spPr>
           <a:xfrm>
-            <a:off x="5108863" y="1807780"/>
+            <a:off x="5108863" y="1857475"/>
             <a:ext cx="423514" cy="261610"/>
           </a:xfrm>
           <a:prstGeom prst="rect">
@@ -15543,7 +15543,7 @@
         </p:nvSpPr>
         <p:spPr>
           <a:xfrm>
-            <a:off x="7764128" y="1819127"/>
+            <a:off x="7764128" y="1868822"/>
             <a:ext cx="423514" cy="261610"/>
           </a:xfrm>
           <a:prstGeom prst="rect">
@@ -15587,7 +15587,7 @@
         </p:nvGrpSpPr>
         <p:grpSpPr>
           <a:xfrm>
-            <a:off x="4660278" y="22356"/>
+            <a:off x="4660278" y="72051"/>
             <a:ext cx="1135373" cy="650810"/>
             <a:chOff x="2770259" y="2609300"/>
             <a:chExt cx="1135373" cy="650183"/>
@@ -15749,7 +15749,7 @@
         </p:blipFill>
         <p:spPr>
           <a:xfrm>
-            <a:off x="5398539" y="350407"/>
+            <a:off x="5398539" y="400102"/>
             <a:ext cx="327660" cy="327660"/>
           </a:xfrm>
           <a:prstGeom prst="rect">
@@ -15771,7 +15771,7 @@
         </p:nvSpPr>
         <p:spPr>
           <a:xfrm>
-            <a:off x="5425182" y="108746"/>
+            <a:off x="5425182" y="158441"/>
             <a:ext cx="433132" cy="261610"/>
           </a:xfrm>
           <a:prstGeom prst="rect">
@@ -15818,7 +15818,7 @@
         </p:nvGrpSpPr>
         <p:grpSpPr>
           <a:xfrm>
-            <a:off x="3154439" y="1084782"/>
+            <a:off x="3154439" y="1134477"/>
             <a:ext cx="1135373" cy="650810"/>
             <a:chOff x="2770259" y="2609300"/>
             <a:chExt cx="1135373" cy="650183"/>
@@ -15980,7 +15980,7 @@
         </p:blipFill>
         <p:spPr>
           <a:xfrm>
-            <a:off x="3892700" y="1412833"/>
+            <a:off x="3892700" y="1462528"/>
             <a:ext cx="327660" cy="327660"/>
           </a:xfrm>
           <a:prstGeom prst="rect">
@@ -16002,7 +16002,7 @@
         </p:nvSpPr>
         <p:spPr>
           <a:xfrm>
-            <a:off x="3919343" y="1171172"/>
+            <a:off x="3919343" y="1220867"/>
             <a:ext cx="433132" cy="261610"/>
           </a:xfrm>
           <a:prstGeom prst="rect">
@@ -16049,7 +16049,7 @@
         </p:nvGrpSpPr>
         <p:grpSpPr>
           <a:xfrm>
-            <a:off x="6995645" y="1167286"/>
+            <a:off x="6995645" y="1216981"/>
             <a:ext cx="1183671" cy="631715"/>
             <a:chOff x="2963428" y="2628377"/>
             <a:chExt cx="1021688" cy="631106"/>
@@ -16217,7 +16217,7 @@
         </p:blipFill>
         <p:spPr>
           <a:xfrm>
-            <a:off x="7795807" y="1435905"/>
+            <a:off x="7795807" y="1485600"/>
             <a:ext cx="296568" cy="296568"/>
           </a:xfrm>
           <a:prstGeom prst="rect">
@@ -16239,7 +16239,7 @@
         </p:nvGrpSpPr>
         <p:grpSpPr>
           <a:xfrm>
-            <a:off x="6168649" y="18809"/>
+            <a:off x="6168649" y="68504"/>
             <a:ext cx="1135373" cy="650810"/>
             <a:chOff x="2770259" y="2609300"/>
             <a:chExt cx="1135373" cy="650183"/>
@@ -16401,7 +16401,7 @@
         </p:blipFill>
         <p:spPr>
           <a:xfrm>
-            <a:off x="6906910" y="346860"/>
+            <a:off x="6906910" y="396555"/>
             <a:ext cx="327660" cy="327660"/>
           </a:xfrm>
           <a:prstGeom prst="rect">
@@ -16423,7 +16423,7 @@
         </p:nvSpPr>
         <p:spPr>
           <a:xfrm>
-            <a:off x="6933553" y="105199"/>
+            <a:off x="6933553" y="154894"/>
             <a:ext cx="433132" cy="261610"/>
           </a:xfrm>
           <a:prstGeom prst="rect">
@@ -16470,7 +16470,7 @@
         </p:nvGrpSpPr>
         <p:grpSpPr>
           <a:xfrm>
-            <a:off x="7327437" y="30502"/>
+            <a:off x="7327437" y="80197"/>
             <a:ext cx="1135373" cy="650810"/>
             <a:chOff x="2770259" y="2609300"/>
             <a:chExt cx="1135373" cy="650183"/>
@@ -16632,7 +16632,7 @@
         </p:blipFill>
         <p:spPr>
           <a:xfrm>
-            <a:off x="8065698" y="358553"/>
+            <a:off x="8065698" y="408248"/>
             <a:ext cx="327660" cy="327660"/>
           </a:xfrm>
           <a:prstGeom prst="rect">
@@ -16654,7 +16654,7 @@
         </p:nvSpPr>
         <p:spPr>
           <a:xfrm>
-            <a:off x="8092341" y="116892"/>
+            <a:off x="8092341" y="166587"/>
             <a:ext cx="433132" cy="261610"/>
           </a:xfrm>
           <a:prstGeom prst="rect">
@@ -16701,7 +16701,7 @@
         </p:nvSpPr>
         <p:spPr>
           <a:xfrm>
-            <a:off x="7688042" y="1187258"/>
+            <a:off x="7688042" y="1236953"/>
             <a:ext cx="488184" cy="261610"/>
           </a:xfrm>
           <a:prstGeom prst="rect">
@@ -16748,7 +16748,7 @@
         </p:nvSpPr>
         <p:spPr>
           <a:xfrm>
-            <a:off x="4324384" y="3711890"/>
+            <a:off x="4324384" y="3761585"/>
             <a:ext cx="857591" cy="261610"/>
           </a:xfrm>
           <a:prstGeom prst="rect">
@@ -16795,7 +16795,7 @@
         </p:nvSpPr>
         <p:spPr>
           <a:xfrm>
-            <a:off x="6847155" y="3795215"/>
+            <a:off x="6847155" y="3844910"/>
             <a:ext cx="857591" cy="261610"/>
           </a:xfrm>
           <a:prstGeom prst="rect">
@@ -16842,7 +16842,7 @@
         </p:nvSpPr>
         <p:spPr>
           <a:xfrm>
-            <a:off x="5128805" y="1652316"/>
+            <a:off x="5128805" y="1702011"/>
             <a:ext cx="1037126" cy="253916"/>
           </a:xfrm>
           <a:prstGeom prst="rect">
@@ -16889,7 +16889,7 @@
         </p:nvSpPr>
         <p:spPr>
           <a:xfrm>
-            <a:off x="7806207" y="1693704"/>
+            <a:off x="7806207" y="1743399"/>
             <a:ext cx="1037126" cy="253916"/>
           </a:xfrm>
           <a:prstGeom prst="rect">
@@ -16936,7 +16936,7 @@
         </p:nvSpPr>
         <p:spPr>
           <a:xfrm>
-            <a:off x="1620461" y="4164881"/>
+            <a:off x="1620461" y="4214576"/>
             <a:ext cx="4756994" cy="245342"/>
           </a:xfrm>
           <a:prstGeom prst="rect">
@@ -16966,49 +16966,19 @@
           </a:lstStyle>
           <a:p>
             <a:r>
-              <a:rPr lang="en-GB" dirty="0" err="1"/>
-              <a:t>Microsoft.Network</a:t>
-            </a:r>
-            <a:r>
-              <a:rPr lang="en-GB" dirty="0"/>
-              <a:t>/</a:t>
-            </a:r>
-            <a:r>
-              <a:rPr lang="en-GB" dirty="0" err="1"/>
-              <a:t>virtualHubs</a:t>
-            </a:r>
-            <a:r>
-              <a:rPr lang="en-GB" dirty="0"/>
-              <a:t>/</a:t>
-            </a:r>
-            <a:r>
-              <a:rPr lang="en-GB" b="1" dirty="0"/>
+              <a:rPr lang="en-GB" noProof="1"/>
+              <a:t>Microsoft.Network/virtualHubs/</a:t>
+            </a:r>
+            <a:r>
+              <a:rPr lang="en-GB" b="1" noProof="1"/>
               <a:t>hub1</a:t>
             </a:r>
             <a:r>
-              <a:rPr lang="en-GB" dirty="0"/>
-              <a:t>/</a:t>
-            </a:r>
-            <a:r>
-              <a:rPr lang="en-GB" dirty="0" err="1"/>
-              <a:t>hubRouteTables</a:t>
-            </a:r>
-            <a:r>
-              <a:rPr lang="en-GB" dirty="0"/>
-              <a:t>/</a:t>
-            </a:r>
-            <a:r>
-              <a:rPr lang="en-GB" sz="1000" b="0" i="0" dirty="0">
-                <a:solidFill>
-                  <a:srgbClr val="323130"/>
-                </a:solidFill>
-                <a:effectLst/>
-                <a:latin typeface="az_ea_font"/>
-              </a:rPr>
-              <a:t> </a:t>
-            </a:r>
-            <a:r>
-              <a:rPr lang="en-GB" sz="1000" b="1" i="0" dirty="0" err="1">
+              <a:rPr lang="en-GB" noProof="1"/>
+              <a:t>/hubRouteTables/</a:t>
+            </a:r>
+            <a:r>
+              <a:rPr lang="en-GB" sz="1000" b="1" i="0" noProof="1">
                 <a:solidFill>
                   <a:srgbClr val="323130"/>
                 </a:solidFill>
@@ -17020,7 +16990,7 @@
               </a:rPr>
               <a:t>defaultRouteTable</a:t>
             </a:r>
-            <a:endParaRPr lang="en-GB" b="1" dirty="0">
+            <a:endParaRPr lang="en-GB" b="1" noProof="1">
               <a:highlight>
                 <a:srgbClr val="FFFF00"/>
               </a:highlight>
@@ -17041,13 +17011,13 @@
           <p:nvPr>
             <p:extLst>
               <p:ext uri="{D42A27DB-BD31-4B8C-83A1-F6EECF244321}">
-                <p14:modId xmlns:p14="http://schemas.microsoft.com/office/powerpoint/2010/main" val="2168125112"/>
+                <p14:modId xmlns:p14="http://schemas.microsoft.com/office/powerpoint/2010/main" val="1772532027"/>
               </p:ext>
             </p:extLst>
           </p:nvPr>
         </p:nvGraphicFramePr>
         <p:xfrm>
-          <a:off x="1620461" y="4445455"/>
+          <a:off x="1620461" y="4495150"/>
           <a:ext cx="4495799" cy="2095500"/>
         </p:xfrm>
         <a:graphic>
@@ -18673,7 +18643,7 @@
         </p:nvSpPr>
         <p:spPr>
           <a:xfrm>
-            <a:off x="7064394" y="4192570"/>
+            <a:off x="7064394" y="4242265"/>
             <a:ext cx="4756994" cy="245342"/>
           </a:xfrm>
           <a:prstGeom prst="rect">
@@ -18703,35 +18673,19 @@
           </a:lstStyle>
           <a:p>
             <a:r>
-              <a:rPr lang="en-GB" dirty="0" err="1"/>
-              <a:t>Microsoft.Network</a:t>
-            </a:r>
-            <a:r>
-              <a:rPr lang="en-GB" dirty="0"/>
-              <a:t>/</a:t>
-            </a:r>
-            <a:r>
-              <a:rPr lang="en-GB" dirty="0" err="1"/>
-              <a:t>virtualHubs</a:t>
-            </a:r>
-            <a:r>
-              <a:rPr lang="en-GB" dirty="0"/>
-              <a:t>/</a:t>
-            </a:r>
-            <a:r>
-              <a:rPr lang="en-GB" b="1" dirty="0"/>
+              <a:rPr lang="en-GB" noProof="1"/>
+              <a:t>Microsoft.Network/virtualHubs/</a:t>
+            </a:r>
+            <a:r>
+              <a:rPr lang="en-GB" b="1" noProof="1"/>
               <a:t>hub2</a:t>
             </a:r>
             <a:r>
-              <a:rPr lang="en-GB" dirty="0"/>
-              <a:t>/</a:t>
-            </a:r>
-            <a:r>
-              <a:rPr lang="en-GB" dirty="0" err="1"/>
-              <a:t>hubRouteTables</a:t>
-            </a:r>
-            <a:r>
-              <a:rPr lang="en-GB" dirty="0">
+              <a:rPr lang="en-GB" noProof="1"/>
+              <a:t>/hubRouteTables</a:t>
+            </a:r>
+            <a:r>
+              <a:rPr lang="en-GB" noProof="1">
                 <a:highlight>
                   <a:srgbClr val="FFFF00"/>
                 </a:highlight>
@@ -18739,7 +18693,7 @@
               <a:t>/</a:t>
             </a:r>
             <a:r>
-              <a:rPr lang="en-GB" sz="1000" b="1" i="0" dirty="0" err="1">
+              <a:rPr lang="en-GB" sz="1000" b="1" i="0" noProof="1">
                 <a:solidFill>
                   <a:srgbClr val="323130"/>
                 </a:solidFill>
@@ -18751,7 +18705,7 @@
               </a:rPr>
               <a:t>defaultRouteTable</a:t>
             </a:r>
-            <a:endParaRPr lang="en-GB" b="1" dirty="0">
+            <a:endParaRPr lang="en-GB" b="1" noProof="1">
               <a:highlight>
                 <a:srgbClr val="FFFF00"/>
               </a:highlight>
@@ -18772,13 +18726,13 @@
           <p:nvPr>
             <p:extLst>
               <p:ext uri="{D42A27DB-BD31-4B8C-83A1-F6EECF244321}">
-                <p14:modId xmlns:p14="http://schemas.microsoft.com/office/powerpoint/2010/main" val="1083098319"/>
+                <p14:modId xmlns:p14="http://schemas.microsoft.com/office/powerpoint/2010/main" val="4252271827"/>
               </p:ext>
             </p:extLst>
           </p:nvPr>
         </p:nvGraphicFramePr>
         <p:xfrm>
-          <a:off x="7101026" y="4466614"/>
+          <a:off x="7101026" y="4516309"/>
           <a:ext cx="4495799" cy="2095500"/>
         </p:xfrm>
         <a:graphic>
@@ -20406,7 +20360,7 @@
         </p:nvCxnSpPr>
         <p:spPr>
           <a:xfrm flipV="1">
-            <a:off x="3031398" y="2649038"/>
+            <a:off x="3031398" y="2698733"/>
             <a:ext cx="1225496" cy="1452036"/>
           </a:xfrm>
           <a:prstGeom prst="line">
@@ -20449,7 +20403,7 @@
         </p:nvCxnSpPr>
         <p:spPr>
           <a:xfrm flipH="1" flipV="1">
-            <a:off x="8027862" y="2459275"/>
+            <a:off x="8027862" y="2508970"/>
             <a:ext cx="1676338" cy="1713872"/>
           </a:xfrm>
           <a:prstGeom prst="line">
@@ -24891,79 +24845,37 @@
           <a:lstStyle/>
           <a:p>
             <a:r>
-              <a:rPr lang="en-GB" sz="1000" b="0" dirty="0" err="1">
+              <a:rPr lang="en-GB" sz="1000" b="0" noProof="1">
                 <a:effectLst/>
                 <a:latin typeface="Consolas" panose="020B0609020204030204" pitchFamily="49" charset="0"/>
               </a:rPr>
-              <a:t>Microsoft.Network</a:t>
-            </a:r>
-            <a:r>
-              <a:rPr lang="en-GB" sz="1000" b="0" dirty="0">
-                <a:effectLst/>
-                <a:latin typeface="Consolas" panose="020B0609020204030204" pitchFamily="49" charset="0"/>
-              </a:rPr>
-              <a:t>/</a:t>
-            </a:r>
-            <a:r>
-              <a:rPr lang="en-GB" sz="1000" b="0" dirty="0" err="1">
-                <a:effectLst/>
-                <a:latin typeface="Consolas" panose="020B0609020204030204" pitchFamily="49" charset="0"/>
-              </a:rPr>
-              <a:t>virtualHubs</a:t>
-            </a:r>
-            <a:r>
-              <a:rPr lang="en-GB" sz="1000" b="0" dirty="0">
-                <a:effectLst/>
-                <a:latin typeface="Consolas" panose="020B0609020204030204" pitchFamily="49" charset="0"/>
-              </a:rPr>
-              <a:t>/</a:t>
-            </a:r>
-            <a:r>
-              <a:rPr lang="en-GB" sz="1000" b="1" dirty="0">
+              <a:t>Microsoft.Network/virtualHubs/</a:t>
+            </a:r>
+            <a:r>
+              <a:rPr lang="en-GB" sz="1000" b="1" noProof="1">
                 <a:effectLst/>
                 <a:latin typeface="Consolas" panose="020B0609020204030204" pitchFamily="49" charset="0"/>
               </a:rPr>
               <a:t>hub1</a:t>
             </a:r>
             <a:r>
-              <a:rPr lang="en-GB" sz="1000" b="0" dirty="0">
+              <a:rPr lang="en-GB" sz="1000" b="0" noProof="1">
                 <a:effectLst/>
                 <a:latin typeface="Consolas" panose="020B0609020204030204" pitchFamily="49" charset="0"/>
               </a:rPr>
-              <a:t>/</a:t>
-            </a:r>
-            <a:r>
-              <a:rPr lang="en-GB" sz="1000" b="0" dirty="0" err="1">
+              <a:t>/hubVirtualNetworkConnections/vnet1_conn</a:t>
+            </a:r>
+          </a:p>
+          <a:p>
+            <a:r>
+              <a:rPr lang="en-GB" sz="1000" b="0" noProof="1">
                 <a:effectLst/>
                 <a:latin typeface="Consolas" panose="020B0609020204030204" pitchFamily="49" charset="0"/>
               </a:rPr>
-              <a:t>hubVirtualNetworkConnections</a:t>
-            </a:r>
-            <a:r>
-              <a:rPr lang="en-GB" sz="1000" b="0" dirty="0">
-                <a:effectLst/>
-                <a:latin typeface="Consolas" panose="020B0609020204030204" pitchFamily="49" charset="0"/>
-              </a:rPr>
-              <a:t>/vnet1_conn</a:t>
-            </a:r>
-          </a:p>
-          <a:p>
-            <a:r>
-              <a:rPr lang="en-GB" sz="1000" b="0" dirty="0" err="1">
-                <a:effectLst/>
-                <a:latin typeface="Consolas" panose="020B0609020204030204" pitchFamily="49" charset="0"/>
-              </a:rPr>
-              <a:t>associatedRouteTable</a:t>
-            </a:r>
-            <a:r>
-              <a:rPr lang="en-GB" sz="1000" b="0" dirty="0">
-                <a:effectLst/>
-                <a:latin typeface="Consolas" panose="020B0609020204030204" pitchFamily="49" charset="0"/>
-              </a:rPr>
-              <a:t>: </a:t>
-            </a:r>
-            <a:r>
-              <a:rPr lang="en-GB" sz="1000" b="1" i="0" dirty="0" err="1">
+              <a:t>associatedRouteTable: </a:t>
+            </a:r>
+            <a:r>
+              <a:rPr lang="en-GB" sz="1000" b="1" i="0" noProof="1">
                 <a:solidFill>
                   <a:srgbClr val="323130"/>
                 </a:solidFill>
@@ -24975,7 +24887,7 @@
               </a:rPr>
               <a:t>defaultRouteTable</a:t>
             </a:r>
-            <a:endParaRPr lang="en-GB" sz="1000" b="1" dirty="0">
+            <a:endParaRPr lang="en-GB" sz="1000" b="1" noProof="1">
               <a:solidFill>
                 <a:schemeClr val="bg1"/>
               </a:solidFill>
@@ -24988,19 +24900,13 @@
           </a:p>
           <a:p>
             <a:r>
-              <a:rPr lang="en-GB" sz="1000" dirty="0" err="1">
+              <a:rPr lang="en-GB" sz="1000" noProof="1">
                 <a:latin typeface="Consolas" panose="020B0609020204030204" pitchFamily="49" charset="0"/>
               </a:rPr>
-              <a:t>propagatedRouteTables</a:t>
-            </a:r>
-            <a:r>
-              <a:rPr lang="en-GB" sz="1000" dirty="0">
-                <a:latin typeface="Consolas" panose="020B0609020204030204" pitchFamily="49" charset="0"/>
-              </a:rPr>
-              <a:t>:{hub1-&gt; </a:t>
-            </a:r>
-            <a:r>
-              <a:rPr lang="en-GB" sz="1000" b="1" i="0" dirty="0" err="1">
+              <a:t>propagatedRouteTables:{hub1-&gt; </a:t>
+            </a:r>
+            <a:r>
+              <a:rPr lang="en-GB" sz="1000" b="1" i="0" noProof="1">
                 <a:solidFill>
                   <a:srgbClr val="323130"/>
                 </a:solidFill>
@@ -25013,7 +24919,7 @@
               <a:t>defaultRouteTable</a:t>
             </a:r>
             <a:r>
-              <a:rPr lang="en-GB" sz="1000" dirty="0">
+              <a:rPr lang="en-GB" sz="1000" noProof="1">
                 <a:solidFill>
                   <a:schemeClr val="bg1"/>
                 </a:solidFill>
@@ -25024,7 +24930,7 @@
           </a:p>
           <a:p>
             <a:r>
-              <a:rPr lang="en-GB" sz="1000" dirty="0">
+              <a:rPr lang="en-GB" sz="1000" noProof="1">
                 <a:solidFill>
                   <a:schemeClr val="bg1"/>
                 </a:solidFill>
@@ -25033,13 +24939,13 @@
               <a:t>                       </a:t>
             </a:r>
             <a:r>
-              <a:rPr lang="en-GB" sz="1000" dirty="0">
+              <a:rPr lang="en-GB" sz="1000" noProof="1">
                 <a:latin typeface="Consolas" panose="020B0609020204030204" pitchFamily="49" charset="0"/>
               </a:rPr>
               <a:t>hub2-&gt; </a:t>
             </a:r>
             <a:r>
-              <a:rPr lang="en-GB" sz="1000" b="1" i="0" dirty="0" err="1">
+              <a:rPr lang="en-GB" sz="1000" b="1" i="0" noProof="1">
                 <a:solidFill>
                   <a:srgbClr val="323130"/>
                 </a:solidFill>
@@ -25052,7 +24958,7 @@
               <a:t>defaultRouteTable</a:t>
             </a:r>
             <a:r>
-              <a:rPr lang="en-GB" sz="1000" dirty="0">
+              <a:rPr lang="en-GB" sz="1000" noProof="1">
                 <a:solidFill>
                   <a:schemeClr val="bg1"/>
                 </a:solidFill>
@@ -25061,7 +24967,7 @@
               <a:t> </a:t>
             </a:r>
             <a:r>
-              <a:rPr lang="en-GB" sz="1000" dirty="0">
+              <a:rPr lang="en-GB" sz="1000" noProof="1">
                 <a:latin typeface="Consolas" panose="020B0609020204030204" pitchFamily="49" charset="0"/>
               </a:rPr>
               <a:t>}</a:t>
@@ -25069,7 +24975,7 @@
           </a:p>
           <a:p>
             <a:r>
-              <a:rPr lang="en-GB" sz="1000" dirty="0">
+              <a:rPr lang="en-GB" sz="1000" noProof="1">
                 <a:latin typeface="Consolas" panose="020B0609020204030204" pitchFamily="49" charset="0"/>
               </a:rPr>
               <a:t>Propagating to labels:</a:t>
@@ -25147,6 +25053,7 @@
             <a:solidFill>
               <a:srgbClr val="00B050"/>
             </a:solidFill>
+            <a:tailEnd type="oval"/>
           </a:ln>
         </p:spPr>
         <p:style>
@@ -25181,7 +25088,7 @@
         <p:spPr>
           <a:xfrm>
             <a:off x="5511678" y="1935020"/>
-            <a:ext cx="1943134" cy="47786"/>
+            <a:ext cx="1906774" cy="3590"/>
           </a:xfrm>
           <a:prstGeom prst="line">
             <a:avLst/>
@@ -25190,6 +25097,7 @@
             <a:solidFill>
               <a:srgbClr val="00B050"/>
             </a:solidFill>
+            <a:tailEnd type="oval"/>
           </a:ln>
         </p:spPr>
         <p:style>
@@ -25340,39 +25248,19 @@
           </a:lstStyle>
           <a:p>
             <a:r>
-              <a:rPr lang="en-GB" dirty="0" err="1"/>
-              <a:t>Microsoft.Network</a:t>
-            </a:r>
-            <a:r>
-              <a:rPr lang="en-GB" dirty="0"/>
-              <a:t>/</a:t>
-            </a:r>
-            <a:r>
-              <a:rPr lang="en-GB" dirty="0" err="1"/>
-              <a:t>virtualHubs</a:t>
-            </a:r>
-            <a:r>
-              <a:rPr lang="en-GB" dirty="0"/>
-              <a:t>/</a:t>
-            </a:r>
-            <a:r>
-              <a:rPr lang="en-GB" b="1" dirty="0"/>
+              <a:rPr lang="en-GB" noProof="1"/>
+              <a:t>Microsoft.Network/virtualHubs/</a:t>
+            </a:r>
+            <a:r>
+              <a:rPr lang="en-GB" b="1" noProof="1"/>
               <a:t>hub1</a:t>
             </a:r>
             <a:r>
-              <a:rPr lang="en-GB" dirty="0"/>
-              <a:t>/</a:t>
-            </a:r>
-            <a:r>
-              <a:rPr lang="en-GB" dirty="0" err="1"/>
-              <a:t>hubRouteTables</a:t>
-            </a:r>
-            <a:r>
-              <a:rPr lang="en-GB" dirty="0"/>
-              <a:t>/</a:t>
-            </a:r>
-            <a:r>
-              <a:rPr lang="en-GB" sz="1000" b="1" dirty="0" err="1">
+              <a:rPr lang="en-GB" noProof="1"/>
+              <a:t>/hubRouteTables/</a:t>
+            </a:r>
+            <a:r>
+              <a:rPr lang="en-GB" sz="1000" b="1" noProof="1">
                 <a:effectLst/>
                 <a:highlight>
                   <a:srgbClr val="FFFF00"/>
@@ -25381,7 +25269,7 @@
               </a:rPr>
               <a:t>defaultRouteTable</a:t>
             </a:r>
-            <a:endParaRPr lang="en-GB" b="1" dirty="0">
+            <a:endParaRPr lang="en-GB" b="1" noProof="1">
               <a:highlight>
                 <a:srgbClr val="FFFF00"/>
               </a:highlight>
@@ -25435,74 +25323,36 @@
           </a:lstStyle>
           <a:p>
             <a:r>
-              <a:rPr lang="en-GB" dirty="0" err="1"/>
-              <a:t>Microsoft.Network</a:t>
-            </a:r>
-            <a:r>
-              <a:rPr lang="en-GB" dirty="0"/>
-              <a:t>/</a:t>
-            </a:r>
-            <a:r>
-              <a:rPr lang="en-GB" dirty="0" err="1"/>
-              <a:t>vpnGateways</a:t>
-            </a:r>
-            <a:r>
-              <a:rPr lang="en-GB" dirty="0"/>
-              <a:t>/hub1_S2SvpnGW/</a:t>
-            </a:r>
-            <a:r>
-              <a:rPr lang="en-GB" dirty="0" err="1"/>
-              <a:t>vpnConnections</a:t>
-            </a:r>
-            <a:r>
-              <a:rPr lang="en-GB" dirty="0"/>
-              <a:t>/hub1_branch1</a:t>
-            </a:r>
-          </a:p>
-          <a:p>
-            <a:r>
-              <a:rPr lang="en-GB" sz="1000" b="0" dirty="0" err="1">
+              <a:rPr lang="en-GB" noProof="1"/>
+              <a:t>Microsoft.Network/vpnGateways/hub1_S2SvpnGW/vpnConnections/hub1_branch1</a:t>
+            </a:r>
+          </a:p>
+          <a:p>
+            <a:r>
+              <a:rPr lang="en-GB" sz="1000" b="0" noProof="1">
                 <a:effectLst/>
                 <a:latin typeface="Consolas" panose="020B0609020204030204" pitchFamily="49" charset="0"/>
               </a:rPr>
-              <a:t>associatedRouteTable</a:t>
-            </a:r>
-            <a:r>
-              <a:rPr lang="en-GB" sz="1000" b="0" dirty="0">
-                <a:effectLst/>
-                <a:latin typeface="Consolas" panose="020B0609020204030204" pitchFamily="49" charset="0"/>
-              </a:rPr>
-              <a:t>: </a:t>
-            </a:r>
-            <a:r>
-              <a:rPr lang="en-GB" b="1" dirty="0" err="1">
+              <a:t>associatedRouteTable: </a:t>
+            </a:r>
+            <a:r>
+              <a:rPr lang="en-GB" b="1" noProof="1">
                 <a:highlight>
                   <a:srgbClr val="FFFF00"/>
                 </a:highlight>
               </a:rPr>
               <a:t>defaultRouteTable</a:t>
             </a:r>
-            <a:endParaRPr lang="en-GB" b="1" dirty="0">
-              <a:highlight>
-                <a:srgbClr val="FFFF00"/>
-              </a:highlight>
-            </a:endParaRPr>
-          </a:p>
-          <a:p>
-            <a:r>
-              <a:rPr lang="en-GB" sz="1000" dirty="0" err="1">
+          </a:p>
+          <a:p>
+            <a:r>
+              <a:rPr lang="en-GB" sz="1000" noProof="1">
                 <a:latin typeface="Consolas" panose="020B0609020204030204" pitchFamily="49" charset="0"/>
               </a:rPr>
-              <a:t>propagatedRouteTables</a:t>
-            </a:r>
-            <a:r>
-              <a:rPr lang="en-GB" sz="1000" dirty="0">
-                <a:latin typeface="Consolas" panose="020B0609020204030204" pitchFamily="49" charset="0"/>
-              </a:rPr>
-              <a:t>:{hub1-&gt; </a:t>
-            </a:r>
-            <a:r>
-              <a:rPr lang="en-GB" sz="1000" b="1" dirty="0" err="1">
+              <a:t>propagatedRouteTables:{hub1-&gt; </a:t>
+            </a:r>
+            <a:r>
+              <a:rPr lang="en-GB" sz="1000" b="1" noProof="1">
                 <a:highlight>
                   <a:srgbClr val="FFFF00"/>
                 </a:highlight>
@@ -25510,26 +25360,20 @@
               </a:rPr>
               <a:t>defaultRouteTable</a:t>
             </a:r>
-            <a:endParaRPr lang="en-GB" sz="1000" b="1" dirty="0">
-              <a:highlight>
-                <a:srgbClr val="FFFF00"/>
-              </a:highlight>
-              <a:latin typeface="Consolas" panose="020B0609020204030204" pitchFamily="49" charset="0"/>
-            </a:endParaRPr>
-          </a:p>
-          <a:p>
-            <a:r>
-              <a:rPr lang="en-GB" dirty="0"/>
+          </a:p>
+          <a:p>
+            <a:r>
+              <a:rPr lang="en-GB" noProof="1"/>
               <a:t>                       </a:t>
             </a:r>
             <a:r>
-              <a:rPr lang="en-GB" sz="1000" dirty="0">
+              <a:rPr lang="en-GB" sz="1000" noProof="1">
                 <a:latin typeface="Consolas" panose="020B0609020204030204" pitchFamily="49" charset="0"/>
               </a:rPr>
               <a:t>hub2-&gt; </a:t>
             </a:r>
             <a:r>
-              <a:rPr lang="en-GB" sz="1000" b="1" dirty="0" err="1">
+              <a:rPr lang="en-GB" sz="1000" b="1" noProof="1">
                 <a:highlight>
                   <a:srgbClr val="FFFF00"/>
                 </a:highlight>
@@ -25538,7 +25382,7 @@
               <a:t>defaultRouteTable</a:t>
             </a:r>
             <a:r>
-              <a:rPr lang="en-GB" sz="1000" dirty="0">
+              <a:rPr lang="en-GB" sz="1000" noProof="1">
                 <a:latin typeface="Consolas" panose="020B0609020204030204" pitchFamily="49" charset="0"/>
               </a:rPr>
               <a:t>}</a:t>
@@ -25546,12 +25390,12 @@
           </a:p>
           <a:p>
             <a:r>
-              <a:rPr lang="en-GB" sz="1000" dirty="0">
+              <a:rPr lang="en-GB" sz="1000" noProof="1">
                 <a:latin typeface="Consolas" panose="020B0609020204030204" pitchFamily="49" charset="0"/>
               </a:rPr>
               <a:t>Propagating to labels: default</a:t>
             </a:r>
-            <a:endParaRPr lang="en-GB" dirty="0"/>
+            <a:endParaRPr lang="en-GB" noProof="1"/>
           </a:p>
         </p:txBody>
       </p:sp>
@@ -25591,63 +25435,28 @@
           <a:lstStyle/>
           <a:p>
             <a:r>
-              <a:rPr lang="en-GB" sz="1000" b="0" dirty="0" err="1">
+              <a:rPr lang="en-GB" sz="1000" b="0" noProof="1">
                 <a:effectLst/>
                 <a:latin typeface="Consolas" panose="020B0609020204030204" pitchFamily="49" charset="0"/>
               </a:rPr>
-              <a:t>Microsoft.Network</a:t>
-            </a:r>
-            <a:r>
-              <a:rPr lang="en-GB" sz="1000" b="0" dirty="0">
-                <a:effectLst/>
-                <a:latin typeface="Consolas" panose="020B0609020204030204" pitchFamily="49" charset="0"/>
-              </a:rPr>
-              <a:t>/</a:t>
-            </a:r>
-            <a:r>
-              <a:rPr lang="en-GB" sz="1000" b="0" dirty="0" err="1">
-                <a:effectLst/>
-                <a:latin typeface="Consolas" panose="020B0609020204030204" pitchFamily="49" charset="0"/>
-              </a:rPr>
-              <a:t>virtualHubs</a:t>
-            </a:r>
-            <a:r>
-              <a:rPr lang="en-GB" sz="1000" b="0" dirty="0">
-                <a:effectLst/>
-                <a:latin typeface="Consolas" panose="020B0609020204030204" pitchFamily="49" charset="0"/>
-              </a:rPr>
-              <a:t>/</a:t>
-            </a:r>
-            <a:r>
-              <a:rPr lang="en-GB" sz="1000" b="1" dirty="0">
+              <a:t>Microsoft.Network/virtualHubs/</a:t>
+            </a:r>
+            <a:r>
+              <a:rPr lang="en-GB" sz="1000" b="1" noProof="1">
                 <a:effectLst/>
                 <a:latin typeface="Consolas" panose="020B0609020204030204" pitchFamily="49" charset="0"/>
               </a:rPr>
               <a:t>hub1</a:t>
             </a:r>
             <a:r>
-              <a:rPr lang="en-GB" sz="1000" b="0" dirty="0">
+              <a:rPr lang="en-GB" sz="1000" b="0" noProof="1">
                 <a:effectLst/>
                 <a:latin typeface="Consolas" panose="020B0609020204030204" pitchFamily="49" charset="0"/>
               </a:rPr>
-              <a:t>/</a:t>
-            </a:r>
-            <a:r>
-              <a:rPr lang="en-GB" sz="1000" b="0" dirty="0" err="1">
-                <a:effectLst/>
-                <a:latin typeface="Consolas" panose="020B0609020204030204" pitchFamily="49" charset="0"/>
-              </a:rPr>
-              <a:t>hubVirtualNetworkConnections</a:t>
-            </a:r>
-            <a:r>
-              <a:rPr lang="en-GB" sz="1000" b="0" dirty="0">
-                <a:effectLst/>
-                <a:latin typeface="Consolas" panose="020B0609020204030204" pitchFamily="49" charset="0"/>
-              </a:rPr>
-              <a:t>/</a:t>
-            </a:r>
-            <a:r>
-              <a:rPr lang="en-GB" sz="1000" dirty="0">
+              <a:t>/hubVirtualNetworkConnections/</a:t>
+            </a:r>
+            <a:r>
+              <a:rPr lang="en-GB" sz="1000" noProof="1">
                 <a:effectLst/>
                 <a:latin typeface="Consolas" panose="020B0609020204030204" pitchFamily="49" charset="0"/>
               </a:rPr>
@@ -25656,21 +25465,14 @@
           </a:p>
           <a:p>
             <a:r>
-              <a:rPr lang="en-GB" sz="1000" b="0" dirty="0" err="1">
+              <a:rPr lang="en-GB" sz="1000" b="0" noProof="1">
                 <a:effectLst/>
                 <a:latin typeface="Consolas" panose="020B0609020204030204" pitchFamily="49" charset="0"/>
               </a:rPr>
-              <a:t>associatedRouteTable</a:t>
-            </a:r>
-            <a:r>
-              <a:rPr lang="en-GB" sz="1000" b="0" dirty="0">
-                <a:effectLst/>
-                <a:latin typeface="Consolas" panose="020B0609020204030204" pitchFamily="49" charset="0"/>
-              </a:rPr>
-              <a:t>: </a:t>
-            </a:r>
-            <a:r>
-              <a:rPr lang="en-GB" sz="1000" b="1" i="0" dirty="0" err="1">
+              <a:t>associatedRouteTable: </a:t>
+            </a:r>
+            <a:r>
+              <a:rPr lang="en-GB" sz="1000" b="1" i="0" noProof="1">
                 <a:solidFill>
                   <a:srgbClr val="323130"/>
                 </a:solidFill>
@@ -25682,7 +25484,7 @@
               </a:rPr>
               <a:t>defaultRouteTable</a:t>
             </a:r>
-            <a:endParaRPr lang="en-GB" sz="1000" b="1" dirty="0">
+            <a:endParaRPr lang="en-GB" sz="1000" b="1" noProof="1">
               <a:solidFill>
                 <a:schemeClr val="bg1"/>
               </a:solidFill>
@@ -25695,19 +25497,13 @@
           </a:p>
           <a:p>
             <a:r>
-              <a:rPr lang="en-GB" sz="1000" dirty="0" err="1">
+              <a:rPr lang="en-GB" sz="1000" noProof="1">
                 <a:latin typeface="Consolas" panose="020B0609020204030204" pitchFamily="49" charset="0"/>
               </a:rPr>
-              <a:t>propagatedRouteTables</a:t>
-            </a:r>
-            <a:r>
-              <a:rPr lang="en-GB" sz="1000" dirty="0">
-                <a:latin typeface="Consolas" panose="020B0609020204030204" pitchFamily="49" charset="0"/>
-              </a:rPr>
-              <a:t>:{hub1-&gt; </a:t>
-            </a:r>
-            <a:r>
-              <a:rPr lang="en-GB" sz="1000" b="1" i="0" dirty="0" err="1">
+              <a:t>propagatedRouteTables:{hub1-&gt; </a:t>
+            </a:r>
+            <a:r>
+              <a:rPr lang="en-GB" sz="1000" b="1" i="0" noProof="1">
                 <a:solidFill>
                   <a:srgbClr val="323130"/>
                 </a:solidFill>
@@ -25720,7 +25516,7 @@
               <a:t>defaultRouteTable</a:t>
             </a:r>
             <a:r>
-              <a:rPr lang="en-GB" sz="1000" dirty="0">
+              <a:rPr lang="en-GB" sz="1000" noProof="1">
                 <a:solidFill>
                   <a:schemeClr val="bg1"/>
                 </a:solidFill>
@@ -25731,7 +25527,7 @@
           </a:p>
           <a:p>
             <a:r>
-              <a:rPr lang="en-GB" sz="1000" dirty="0">
+              <a:rPr lang="en-GB" sz="1000" noProof="1">
                 <a:solidFill>
                   <a:schemeClr val="bg1"/>
                 </a:solidFill>
@@ -25740,13 +25536,13 @@
               <a:t>                       </a:t>
             </a:r>
             <a:r>
-              <a:rPr lang="en-GB" sz="1000" dirty="0">
+              <a:rPr lang="en-GB" sz="1000" noProof="1">
                 <a:latin typeface="Consolas" panose="020B0609020204030204" pitchFamily="49" charset="0"/>
               </a:rPr>
               <a:t>hub2-&gt; </a:t>
             </a:r>
             <a:r>
-              <a:rPr lang="en-GB" sz="1000" b="1" i="0" dirty="0" err="1">
+              <a:rPr lang="en-GB" sz="1000" b="1" i="0" noProof="1">
                 <a:solidFill>
                   <a:srgbClr val="323130"/>
                 </a:solidFill>
@@ -25759,7 +25555,7 @@
               <a:t>defaultRouteTable</a:t>
             </a:r>
             <a:r>
-              <a:rPr lang="en-GB" sz="1000" dirty="0">
+              <a:rPr lang="en-GB" sz="1000" noProof="1">
                 <a:solidFill>
                   <a:schemeClr val="bg1"/>
                 </a:solidFill>
@@ -25768,7 +25564,7 @@
               <a:t> </a:t>
             </a:r>
             <a:r>
-              <a:rPr lang="en-GB" sz="1000" dirty="0">
+              <a:rPr lang="en-GB" sz="1000" noProof="1">
                 <a:latin typeface="Consolas" panose="020B0609020204030204" pitchFamily="49" charset="0"/>
               </a:rPr>
               <a:t>}</a:t>
@@ -25776,7 +25572,7 @@
           </a:p>
           <a:p>
             <a:r>
-              <a:rPr lang="en-GB" sz="1000" dirty="0">
+              <a:rPr lang="en-GB" sz="1000" noProof="1">
                 <a:latin typeface="Consolas" panose="020B0609020204030204" pitchFamily="49" charset="0"/>
               </a:rPr>
               <a:t>Propagating to labels:</a:t>
@@ -28294,51 +28090,6 @@
           </p:spPr>
         </p:pic>
       </p:grpSp>
-      <p:cxnSp>
-        <p:nvCxnSpPr>
-          <p:cNvPr id="164" name="Straight Arrow Connector 163">
-            <a:extLst>
-              <a:ext uri="{FF2B5EF4-FFF2-40B4-BE49-F238E27FC236}">
-                <a16:creationId xmlns:a16="http://schemas.microsoft.com/office/drawing/2014/main" id="{F86DDB2C-6B5F-4885-A25D-EF9873C1D7D7}"/>
-              </a:ext>
-            </a:extLst>
-          </p:cNvPr>
-          <p:cNvCxnSpPr>
-            <a:cxnSpLocks/>
-          </p:cNvCxnSpPr>
-          <p:nvPr/>
-        </p:nvCxnSpPr>
-        <p:spPr>
-          <a:xfrm flipH="1">
-            <a:off x="4918440" y="1847116"/>
-            <a:ext cx="132527" cy="758334"/>
-          </a:xfrm>
-          <a:prstGeom prst="straightConnector1">
-            <a:avLst/>
-          </a:prstGeom>
-          <a:ln>
-            <a:solidFill>
-              <a:srgbClr val="7030A0"/>
-            </a:solidFill>
-            <a:headEnd type="triangle"/>
-            <a:tailEnd type="triangle"/>
-          </a:ln>
-        </p:spPr>
-        <p:style>
-          <a:lnRef idx="1">
-            <a:schemeClr val="accent1"/>
-          </a:lnRef>
-          <a:fillRef idx="0">
-            <a:schemeClr val="accent1"/>
-          </a:fillRef>
-          <a:effectRef idx="0">
-            <a:schemeClr val="accent1"/>
-          </a:effectRef>
-          <a:fontRef idx="minor">
-            <a:schemeClr val="tx1"/>
-          </a:fontRef>
-        </p:style>
-      </p:cxnSp>
       <p:sp>
         <p:nvSpPr>
           <p:cNvPr id="166" name="TextBox 165">
@@ -28395,51 +28146,6 @@
           </a:p>
         </p:txBody>
       </p:sp>
-      <p:cxnSp>
-        <p:nvCxnSpPr>
-          <p:cNvPr id="172" name="Straight Arrow Connector 171">
-            <a:extLst>
-              <a:ext uri="{FF2B5EF4-FFF2-40B4-BE49-F238E27FC236}">
-                <a16:creationId xmlns:a16="http://schemas.microsoft.com/office/drawing/2014/main" id="{5FF261FC-84EF-4C02-BFA2-4ECA805F2E28}"/>
-              </a:ext>
-            </a:extLst>
-          </p:cNvPr>
-          <p:cNvCxnSpPr>
-            <a:cxnSpLocks/>
-          </p:cNvCxnSpPr>
-          <p:nvPr/>
-        </p:nvCxnSpPr>
-        <p:spPr>
-          <a:xfrm flipH="1">
-            <a:off x="5071079" y="1878970"/>
-            <a:ext cx="113514" cy="746810"/>
-          </a:xfrm>
-          <a:prstGeom prst="straightConnector1">
-            <a:avLst/>
-          </a:prstGeom>
-          <a:ln>
-            <a:solidFill>
-              <a:srgbClr val="7030A0"/>
-            </a:solidFill>
-            <a:headEnd type="triangle"/>
-            <a:tailEnd type="triangle"/>
-          </a:ln>
-        </p:spPr>
-        <p:style>
-          <a:lnRef idx="1">
-            <a:schemeClr val="accent1"/>
-          </a:lnRef>
-          <a:fillRef idx="0">
-            <a:schemeClr val="accent1"/>
-          </a:fillRef>
-          <a:effectRef idx="0">
-            <a:schemeClr val="accent1"/>
-          </a:effectRef>
-          <a:fontRef idx="minor">
-            <a:schemeClr val="tx1"/>
-          </a:fontRef>
-        </p:style>
-      </p:cxnSp>
       <p:grpSp>
         <p:nvGrpSpPr>
           <p:cNvPr id="179" name="Group 178">
@@ -28787,7 +28493,7 @@
         </p:nvSpPr>
         <p:spPr>
           <a:xfrm>
-            <a:off x="5231821" y="1636766"/>
+            <a:off x="5362920" y="1636418"/>
             <a:ext cx="423514" cy="261610"/>
           </a:xfrm>
           <a:prstGeom prst="rect">
@@ -30133,7 +29839,7 @@
         </p:nvSpPr>
         <p:spPr>
           <a:xfrm>
-            <a:off x="5202305" y="1471614"/>
+            <a:off x="5322844" y="1481145"/>
             <a:ext cx="1037126" cy="253916"/>
           </a:xfrm>
           <a:prstGeom prst="rect">
@@ -30224,9 +29930,9 @@
           <p:nvPr/>
         </p:nvCxnSpPr>
         <p:spPr>
-          <a:xfrm flipV="1">
-            <a:off x="4849435" y="2162607"/>
-            <a:ext cx="1420686" cy="36875"/>
+          <a:xfrm flipH="1">
+            <a:off x="4821196" y="2259236"/>
+            <a:ext cx="1391616" cy="59753"/>
           </a:xfrm>
           <a:prstGeom prst="line">
             <a:avLst/>
@@ -30235,6 +29941,7 @@
             <a:solidFill>
               <a:srgbClr val="00B050"/>
             </a:solidFill>
+            <a:tailEnd type="oval"/>
           </a:ln>
         </p:spPr>
         <p:style>
@@ -30267,9 +29974,9 @@
           <p:nvPr/>
         </p:nvCxnSpPr>
         <p:spPr>
-          <a:xfrm flipV="1">
-            <a:off x="4057091" y="1830657"/>
-            <a:ext cx="2213030" cy="463677"/>
+          <a:xfrm flipH="1">
+            <a:off x="4097478" y="1846250"/>
+            <a:ext cx="2129763" cy="408439"/>
           </a:xfrm>
           <a:prstGeom prst="line">
             <a:avLst/>
@@ -30278,6 +29985,7 @@
             <a:solidFill>
               <a:srgbClr val="00B050"/>
             </a:solidFill>
+            <a:tailEnd type="oval"/>
           </a:ln>
         </p:spPr>
         <p:style>
@@ -30427,39 +30135,19 @@
           </a:lstStyle>
           <a:p>
             <a:r>
-              <a:rPr lang="en-GB" dirty="0" err="1"/>
-              <a:t>Microsoft.Network</a:t>
-            </a:r>
-            <a:r>
-              <a:rPr lang="en-GB" dirty="0"/>
-              <a:t>/</a:t>
-            </a:r>
-            <a:r>
-              <a:rPr lang="en-GB" dirty="0" err="1"/>
-              <a:t>virtualHubs</a:t>
-            </a:r>
-            <a:r>
-              <a:rPr lang="en-GB" dirty="0"/>
-              <a:t>/</a:t>
-            </a:r>
-            <a:r>
-              <a:rPr lang="en-GB" b="1" dirty="0"/>
+              <a:rPr lang="en-GB" noProof="1"/>
+              <a:t>Microsoft.Network/virtualHubs/</a:t>
+            </a:r>
+            <a:r>
+              <a:rPr lang="en-GB" b="1" noProof="1"/>
               <a:t>hub2</a:t>
             </a:r>
             <a:r>
-              <a:rPr lang="en-GB" dirty="0"/>
-              <a:t>/</a:t>
-            </a:r>
-            <a:r>
-              <a:rPr lang="en-GB" dirty="0" err="1"/>
-              <a:t>hubRouteTables</a:t>
-            </a:r>
-            <a:r>
-              <a:rPr lang="en-GB" dirty="0"/>
-              <a:t>/</a:t>
-            </a:r>
-            <a:r>
-              <a:rPr lang="en-GB" sz="1000" b="1" dirty="0" err="1">
+              <a:rPr lang="en-GB" noProof="1"/>
+              <a:t>/hubRouteTables/</a:t>
+            </a:r>
+            <a:r>
+              <a:rPr lang="en-GB" sz="1000" b="1" noProof="1">
                 <a:effectLst/>
                 <a:highlight>
                   <a:srgbClr val="FFFF00"/>
@@ -30468,7 +30156,7 @@
               </a:rPr>
               <a:t>defaultRouteTable</a:t>
             </a:r>
-            <a:endParaRPr lang="en-GB" b="1" dirty="0">
+            <a:endParaRPr lang="en-GB" b="1" noProof="1">
               <a:highlight>
                 <a:srgbClr val="FFFF00"/>
               </a:highlight>
@@ -30522,74 +30210,36 @@
           </a:lstStyle>
           <a:p>
             <a:r>
-              <a:rPr lang="en-GB" dirty="0" err="1"/>
-              <a:t>Microsoft.Network</a:t>
-            </a:r>
-            <a:r>
-              <a:rPr lang="en-GB" dirty="0"/>
-              <a:t>/</a:t>
-            </a:r>
-            <a:r>
-              <a:rPr lang="en-GB" dirty="0" err="1"/>
-              <a:t>vpnGateways</a:t>
-            </a:r>
-            <a:r>
-              <a:rPr lang="en-GB" dirty="0"/>
-              <a:t>/hub1_S2SvpnGW/</a:t>
-            </a:r>
-            <a:r>
-              <a:rPr lang="en-GB" dirty="0" err="1"/>
-              <a:t>vpnConnections</a:t>
-            </a:r>
-            <a:r>
-              <a:rPr lang="en-GB" dirty="0"/>
-              <a:t>/hub1_branch1</a:t>
-            </a:r>
-          </a:p>
-          <a:p>
-            <a:r>
-              <a:rPr lang="en-GB" sz="1000" b="0" dirty="0" err="1">
+              <a:rPr lang="en-GB" noProof="1"/>
+              <a:t>Microsoft.Network/vpnGateways/hub2_S2SvpnGW/vpnConnections/hub1_branch1</a:t>
+            </a:r>
+          </a:p>
+          <a:p>
+            <a:r>
+              <a:rPr lang="en-GB" sz="1000" b="0" noProof="1">
                 <a:effectLst/>
                 <a:latin typeface="Consolas" panose="020B0609020204030204" pitchFamily="49" charset="0"/>
               </a:rPr>
-              <a:t>associatedRouteTable</a:t>
-            </a:r>
-            <a:r>
-              <a:rPr lang="en-GB" sz="1000" b="0" dirty="0">
-                <a:effectLst/>
-                <a:latin typeface="Consolas" panose="020B0609020204030204" pitchFamily="49" charset="0"/>
-              </a:rPr>
-              <a:t>: </a:t>
-            </a:r>
-            <a:r>
-              <a:rPr lang="en-GB" b="1" dirty="0" err="1">
+              <a:t>associatedRouteTable: </a:t>
+            </a:r>
+            <a:r>
+              <a:rPr lang="en-GB" b="1" noProof="1">
                 <a:highlight>
                   <a:srgbClr val="FFFF00"/>
                 </a:highlight>
               </a:rPr>
               <a:t>defaultRouteTable</a:t>
             </a:r>
-            <a:endParaRPr lang="en-GB" b="1" dirty="0">
-              <a:highlight>
-                <a:srgbClr val="FFFF00"/>
-              </a:highlight>
-            </a:endParaRPr>
-          </a:p>
-          <a:p>
-            <a:r>
-              <a:rPr lang="en-GB" sz="1000" dirty="0" err="1">
+          </a:p>
+          <a:p>
+            <a:r>
+              <a:rPr lang="en-GB" sz="1000" noProof="1">
                 <a:latin typeface="Consolas" panose="020B0609020204030204" pitchFamily="49" charset="0"/>
               </a:rPr>
-              <a:t>propagatedRouteTables</a:t>
-            </a:r>
-            <a:r>
-              <a:rPr lang="en-GB" sz="1000" dirty="0">
-                <a:latin typeface="Consolas" panose="020B0609020204030204" pitchFamily="49" charset="0"/>
-              </a:rPr>
-              <a:t>:{hub1-&gt; </a:t>
-            </a:r>
-            <a:r>
-              <a:rPr lang="en-GB" sz="1000" b="1" dirty="0" err="1">
+              <a:t>propagatedRouteTables:{hub2-&gt; </a:t>
+            </a:r>
+            <a:r>
+              <a:rPr lang="en-GB" sz="1000" b="1" noProof="1">
                 <a:highlight>
                   <a:srgbClr val="FFFF00"/>
                 </a:highlight>
@@ -30597,26 +30247,20 @@
               </a:rPr>
               <a:t>defaultRouteTable</a:t>
             </a:r>
-            <a:endParaRPr lang="en-GB" sz="1000" b="1" dirty="0">
-              <a:highlight>
-                <a:srgbClr val="FFFF00"/>
-              </a:highlight>
-              <a:latin typeface="Consolas" panose="020B0609020204030204" pitchFamily="49" charset="0"/>
-            </a:endParaRPr>
-          </a:p>
-          <a:p>
-            <a:r>
-              <a:rPr lang="en-GB" dirty="0"/>
+          </a:p>
+          <a:p>
+            <a:r>
+              <a:rPr lang="en-GB" noProof="1"/>
               <a:t>                       </a:t>
             </a:r>
             <a:r>
-              <a:rPr lang="en-GB" sz="1000" dirty="0">
+              <a:rPr lang="en-GB" sz="1000" noProof="1">
                 <a:latin typeface="Consolas" panose="020B0609020204030204" pitchFamily="49" charset="0"/>
               </a:rPr>
-              <a:t>hub2-&gt; </a:t>
-            </a:r>
-            <a:r>
-              <a:rPr lang="en-GB" sz="1000" b="1" dirty="0" err="1">
+              <a:t>hub1-&gt; </a:t>
+            </a:r>
+            <a:r>
+              <a:rPr lang="en-GB" sz="1000" b="1" noProof="1">
                 <a:highlight>
                   <a:srgbClr val="FFFF00"/>
                 </a:highlight>
@@ -30625,7 +30269,7 @@
               <a:t>defaultRouteTable</a:t>
             </a:r>
             <a:r>
-              <a:rPr lang="en-GB" sz="1000" dirty="0">
+              <a:rPr lang="en-GB" sz="1000" noProof="1">
                 <a:latin typeface="Consolas" panose="020B0609020204030204" pitchFamily="49" charset="0"/>
               </a:rPr>
               <a:t>}</a:t>
@@ -30633,12 +30277,12 @@
           </a:p>
           <a:p>
             <a:r>
-              <a:rPr lang="en-GB" sz="1000" dirty="0">
+              <a:rPr lang="en-GB" sz="1000" noProof="1">
                 <a:latin typeface="Consolas" panose="020B0609020204030204" pitchFamily="49" charset="0"/>
               </a:rPr>
               <a:t>Propagating to labels: default</a:t>
             </a:r>
-            <a:endParaRPr lang="en-GB" dirty="0"/>
+            <a:endParaRPr lang="en-GB" noProof="1"/>
           </a:p>
         </p:txBody>
       </p:sp>
@@ -30678,63 +30322,28 @@
           <a:lstStyle/>
           <a:p>
             <a:r>
-              <a:rPr lang="en-GB" sz="1000" b="0" dirty="0" err="1">
+              <a:rPr lang="en-GB" sz="1000" b="0" noProof="1">
                 <a:effectLst/>
                 <a:latin typeface="Consolas" panose="020B0609020204030204" pitchFamily="49" charset="0"/>
               </a:rPr>
-              <a:t>Microsoft.Network</a:t>
-            </a:r>
-            <a:r>
-              <a:rPr lang="en-GB" sz="1000" b="0" dirty="0">
+              <a:t>Microsoft.Network/virtualHubs/</a:t>
+            </a:r>
+            <a:r>
+              <a:rPr lang="en-GB" sz="1000" b="1" noProof="1">
                 <a:effectLst/>
                 <a:latin typeface="Consolas" panose="020B0609020204030204" pitchFamily="49" charset="0"/>
               </a:rPr>
-              <a:t>/</a:t>
-            </a:r>
-            <a:r>
-              <a:rPr lang="en-GB" sz="1000" b="0" dirty="0" err="1">
+              <a:t>hub2</a:t>
+            </a:r>
+            <a:r>
+              <a:rPr lang="en-GB" sz="1000" b="0" noProof="1">
                 <a:effectLst/>
                 <a:latin typeface="Consolas" panose="020B0609020204030204" pitchFamily="49" charset="0"/>
               </a:rPr>
-              <a:t>virtualHubs</a:t>
-            </a:r>
-            <a:r>
-              <a:rPr lang="en-GB" sz="1000" b="0" dirty="0">
-                <a:effectLst/>
-                <a:latin typeface="Consolas" panose="020B0609020204030204" pitchFamily="49" charset="0"/>
-              </a:rPr>
-              <a:t>/</a:t>
-            </a:r>
-            <a:r>
-              <a:rPr lang="en-GB" sz="1000" b="1" dirty="0">
-                <a:effectLst/>
-                <a:latin typeface="Consolas" panose="020B0609020204030204" pitchFamily="49" charset="0"/>
-              </a:rPr>
-              <a:t>hub1</a:t>
-            </a:r>
-            <a:r>
-              <a:rPr lang="en-GB" sz="1000" b="0" dirty="0">
-                <a:effectLst/>
-                <a:latin typeface="Consolas" panose="020B0609020204030204" pitchFamily="49" charset="0"/>
-              </a:rPr>
-              <a:t>/</a:t>
-            </a:r>
-            <a:r>
-              <a:rPr lang="en-GB" sz="1000" b="0" dirty="0" err="1">
-                <a:effectLst/>
-                <a:latin typeface="Consolas" panose="020B0609020204030204" pitchFamily="49" charset="0"/>
-              </a:rPr>
-              <a:t>hubVirtualNetworkConnections</a:t>
-            </a:r>
-            <a:r>
-              <a:rPr lang="en-GB" sz="1000" b="0" dirty="0">
-                <a:effectLst/>
-                <a:latin typeface="Consolas" panose="020B0609020204030204" pitchFamily="49" charset="0"/>
-              </a:rPr>
-              <a:t>/</a:t>
-            </a:r>
-            <a:r>
-              <a:rPr lang="en-GB" sz="1000" dirty="0">
+              <a:t>/hubVirtualNetworkConnections/</a:t>
+            </a:r>
+            <a:r>
+              <a:rPr lang="en-GB" sz="1000" noProof="1">
                 <a:effectLst/>
                 <a:latin typeface="Consolas" panose="020B0609020204030204" pitchFamily="49" charset="0"/>
               </a:rPr>
@@ -30743,21 +30352,14 @@
           </a:p>
           <a:p>
             <a:r>
-              <a:rPr lang="en-GB" sz="1000" b="0" dirty="0" err="1">
+              <a:rPr lang="en-GB" sz="1000" b="0" noProof="1">
                 <a:effectLst/>
                 <a:latin typeface="Consolas" panose="020B0609020204030204" pitchFamily="49" charset="0"/>
               </a:rPr>
-              <a:t>associatedRouteTable</a:t>
-            </a:r>
-            <a:r>
-              <a:rPr lang="en-GB" sz="1000" b="0" dirty="0">
-                <a:effectLst/>
-                <a:latin typeface="Consolas" panose="020B0609020204030204" pitchFamily="49" charset="0"/>
-              </a:rPr>
-              <a:t>: </a:t>
-            </a:r>
-            <a:r>
-              <a:rPr lang="en-GB" sz="1000" b="1" i="0" dirty="0" err="1">
+              <a:t>associatedRouteTable: </a:t>
+            </a:r>
+            <a:r>
+              <a:rPr lang="en-GB" sz="1000" b="1" i="0" noProof="1">
                 <a:solidFill>
                   <a:srgbClr val="323130"/>
                 </a:solidFill>
@@ -30769,7 +30371,7 @@
               </a:rPr>
               <a:t>defaultRouteTable</a:t>
             </a:r>
-            <a:endParaRPr lang="en-GB" sz="1000" b="1" dirty="0">
+            <a:endParaRPr lang="en-GB" sz="1000" b="1" noProof="1">
               <a:solidFill>
                 <a:schemeClr val="bg1"/>
               </a:solidFill>
@@ -30782,19 +30384,13 @@
           </a:p>
           <a:p>
             <a:r>
-              <a:rPr lang="en-GB" sz="1000" dirty="0" err="1">
+              <a:rPr lang="en-GB" sz="1000" noProof="1">
                 <a:latin typeface="Consolas" panose="020B0609020204030204" pitchFamily="49" charset="0"/>
               </a:rPr>
-              <a:t>propagatedRouteTables</a:t>
-            </a:r>
-            <a:r>
-              <a:rPr lang="en-GB" sz="1000" dirty="0">
-                <a:latin typeface="Consolas" panose="020B0609020204030204" pitchFamily="49" charset="0"/>
-              </a:rPr>
-              <a:t>:{hub1-&gt; </a:t>
-            </a:r>
-            <a:r>
-              <a:rPr lang="en-GB" sz="1000" b="1" i="0" dirty="0" err="1">
+              <a:t>propagatedRouteTables:{hub2-&gt; </a:t>
+            </a:r>
+            <a:r>
+              <a:rPr lang="en-GB" sz="1000" b="1" i="0" noProof="1">
                 <a:solidFill>
                   <a:srgbClr val="323130"/>
                 </a:solidFill>
@@ -30807,7 +30403,7 @@
               <a:t>defaultRouteTable</a:t>
             </a:r>
             <a:r>
-              <a:rPr lang="en-GB" sz="1000" dirty="0">
+              <a:rPr lang="en-GB" sz="1000" noProof="1">
                 <a:solidFill>
                   <a:schemeClr val="bg1"/>
                 </a:solidFill>
@@ -30818,7 +30414,7 @@
           </a:p>
           <a:p>
             <a:r>
-              <a:rPr lang="en-GB" sz="1000" dirty="0">
+              <a:rPr lang="en-GB" sz="1000" noProof="1">
                 <a:solidFill>
                   <a:schemeClr val="bg1"/>
                 </a:solidFill>
@@ -30827,13 +30423,13 @@
               <a:t>                       </a:t>
             </a:r>
             <a:r>
-              <a:rPr lang="en-GB" sz="1000" dirty="0">
+              <a:rPr lang="en-GB" sz="1000" noProof="1">
                 <a:latin typeface="Consolas" panose="020B0609020204030204" pitchFamily="49" charset="0"/>
               </a:rPr>
-              <a:t>hub2-&gt; </a:t>
-            </a:r>
-            <a:r>
-              <a:rPr lang="en-GB" sz="1000" b="1" i="0" dirty="0" err="1">
+              <a:t>hub1-&gt; </a:t>
+            </a:r>
+            <a:r>
+              <a:rPr lang="en-GB" sz="1000" b="1" i="0" noProof="1">
                 <a:solidFill>
                   <a:srgbClr val="323130"/>
                 </a:solidFill>
@@ -30846,7 +30442,7 @@
               <a:t>defaultRouteTable</a:t>
             </a:r>
             <a:r>
-              <a:rPr lang="en-GB" sz="1000" dirty="0">
+              <a:rPr lang="en-GB" sz="1000" noProof="1">
                 <a:solidFill>
                   <a:schemeClr val="bg1"/>
                 </a:solidFill>
@@ -30855,7 +30451,7 @@
               <a:t> </a:t>
             </a:r>
             <a:r>
-              <a:rPr lang="en-GB" sz="1000" dirty="0">
+              <a:rPr lang="en-GB" sz="1000" noProof="1">
                 <a:latin typeface="Consolas" panose="020B0609020204030204" pitchFamily="49" charset="0"/>
               </a:rPr>
               <a:t>}</a:t>
@@ -30863,7 +30459,7 @@
           </a:p>
           <a:p>
             <a:r>
-              <a:rPr lang="en-GB" sz="1000" dirty="0">
+              <a:rPr lang="en-GB" sz="1000" noProof="1">
                 <a:latin typeface="Consolas" panose="020B0609020204030204" pitchFamily="49" charset="0"/>
               </a:rPr>
               <a:t>Propagating to labels:</a:t>
@@ -30907,79 +30503,37 @@
           <a:lstStyle/>
           <a:p>
             <a:r>
-              <a:rPr lang="en-GB" sz="1000" b="0" dirty="0" err="1">
+              <a:rPr lang="en-GB" sz="1000" b="0" noProof="1">
                 <a:effectLst/>
                 <a:latin typeface="Consolas" panose="020B0609020204030204" pitchFamily="49" charset="0"/>
               </a:rPr>
-              <a:t>Microsoft.Network</a:t>
-            </a:r>
-            <a:r>
-              <a:rPr lang="en-GB" sz="1000" b="0" dirty="0">
+              <a:t>Microsoft.Network/virtualHubs/</a:t>
+            </a:r>
+            <a:r>
+              <a:rPr lang="en-GB" sz="1000" b="1" noProof="1">
                 <a:effectLst/>
                 <a:latin typeface="Consolas" panose="020B0609020204030204" pitchFamily="49" charset="0"/>
               </a:rPr>
-              <a:t>/</a:t>
-            </a:r>
-            <a:r>
-              <a:rPr lang="en-GB" sz="1000" b="0" dirty="0" err="1">
+              <a:t>hub2</a:t>
+            </a:r>
+            <a:r>
+              <a:rPr lang="en-GB" sz="1000" b="0" noProof="1">
                 <a:effectLst/>
                 <a:latin typeface="Consolas" panose="020B0609020204030204" pitchFamily="49" charset="0"/>
               </a:rPr>
-              <a:t>virtualHubs</a:t>
-            </a:r>
-            <a:r>
-              <a:rPr lang="en-GB" sz="1000" b="0" dirty="0">
+              <a:t>/hubVirtualNetworkConnections/vnet3_conn</a:t>
+            </a:r>
+          </a:p>
+          <a:p>
+            <a:r>
+              <a:rPr lang="en-GB" sz="1000" b="0" noProof="1">
                 <a:effectLst/>
                 <a:latin typeface="Consolas" panose="020B0609020204030204" pitchFamily="49" charset="0"/>
               </a:rPr>
-              <a:t>/</a:t>
-            </a:r>
-            <a:r>
-              <a:rPr lang="en-GB" sz="1000" b="1" dirty="0">
-                <a:effectLst/>
-                <a:latin typeface="Consolas" panose="020B0609020204030204" pitchFamily="49" charset="0"/>
-              </a:rPr>
-              <a:t>hub1</a:t>
-            </a:r>
-            <a:r>
-              <a:rPr lang="en-GB" sz="1000" b="0" dirty="0">
-                <a:effectLst/>
-                <a:latin typeface="Consolas" panose="020B0609020204030204" pitchFamily="49" charset="0"/>
-              </a:rPr>
-              <a:t>/</a:t>
-            </a:r>
-            <a:r>
-              <a:rPr lang="en-GB" sz="1000" b="0" dirty="0" err="1">
-                <a:effectLst/>
-                <a:latin typeface="Consolas" panose="020B0609020204030204" pitchFamily="49" charset="0"/>
-              </a:rPr>
-              <a:t>hubVirtualNetworkConnections</a:t>
-            </a:r>
-            <a:r>
-              <a:rPr lang="en-GB" sz="1000" b="0" dirty="0">
-                <a:effectLst/>
-                <a:latin typeface="Consolas" panose="020B0609020204030204" pitchFamily="49" charset="0"/>
-              </a:rPr>
-              <a:t>/vnet3_conn</a:t>
-            </a:r>
-          </a:p>
-          <a:p>
-            <a:r>
-              <a:rPr lang="en-GB" sz="1000" b="0" dirty="0" err="1">
-                <a:effectLst/>
-                <a:latin typeface="Consolas" panose="020B0609020204030204" pitchFamily="49" charset="0"/>
-              </a:rPr>
-              <a:t>associatedRouteTable</a:t>
-            </a:r>
-            <a:r>
-              <a:rPr lang="en-GB" sz="1000" b="0" dirty="0">
-                <a:effectLst/>
-                <a:latin typeface="Consolas" panose="020B0609020204030204" pitchFamily="49" charset="0"/>
-              </a:rPr>
-              <a:t>: </a:t>
-            </a:r>
-            <a:r>
-              <a:rPr lang="en-GB" sz="1000" b="1" i="0" dirty="0" err="1">
+              <a:t>associatedRouteTable: </a:t>
+            </a:r>
+            <a:r>
+              <a:rPr lang="en-GB" sz="1000" b="1" i="0" noProof="1">
                 <a:solidFill>
                   <a:srgbClr val="323130"/>
                 </a:solidFill>
@@ -30991,7 +30545,7 @@
               </a:rPr>
               <a:t>defaultRouteTable</a:t>
             </a:r>
-            <a:endParaRPr lang="en-GB" sz="1000" b="1" dirty="0">
+            <a:endParaRPr lang="en-GB" sz="1000" b="1" noProof="1">
               <a:solidFill>
                 <a:schemeClr val="bg1"/>
               </a:solidFill>
@@ -31004,19 +30558,13 @@
           </a:p>
           <a:p>
             <a:r>
-              <a:rPr lang="en-GB" sz="1000" dirty="0" err="1">
+              <a:rPr lang="en-GB" sz="1000" noProof="1">
                 <a:latin typeface="Consolas" panose="020B0609020204030204" pitchFamily="49" charset="0"/>
               </a:rPr>
-              <a:t>propagatedRouteTables</a:t>
-            </a:r>
-            <a:r>
-              <a:rPr lang="en-GB" sz="1000" dirty="0">
-                <a:latin typeface="Consolas" panose="020B0609020204030204" pitchFamily="49" charset="0"/>
-              </a:rPr>
-              <a:t>:{hub1-&gt; </a:t>
-            </a:r>
-            <a:r>
-              <a:rPr lang="en-GB" sz="1000" b="1" i="0" dirty="0" err="1">
+              <a:t>propagatedRouteTables:{hub2-&gt; </a:t>
+            </a:r>
+            <a:r>
+              <a:rPr lang="en-GB" sz="1000" b="1" i="0" noProof="1">
                 <a:solidFill>
                   <a:srgbClr val="323130"/>
                 </a:solidFill>
@@ -31029,7 +30577,7 @@
               <a:t>defaultRouteTable</a:t>
             </a:r>
             <a:r>
-              <a:rPr lang="en-GB" sz="1000" dirty="0">
+              <a:rPr lang="en-GB" sz="1000" noProof="1">
                 <a:solidFill>
                   <a:schemeClr val="bg1"/>
                 </a:solidFill>
@@ -31040,7 +30588,7 @@
           </a:p>
           <a:p>
             <a:r>
-              <a:rPr lang="en-GB" sz="1000" dirty="0">
+              <a:rPr lang="en-GB" sz="1000" noProof="1">
                 <a:solidFill>
                   <a:schemeClr val="bg1"/>
                 </a:solidFill>
@@ -31049,13 +30597,13 @@
               <a:t>                       </a:t>
             </a:r>
             <a:r>
-              <a:rPr lang="en-GB" sz="1000" dirty="0">
+              <a:rPr lang="en-GB" sz="1000" noProof="1">
                 <a:latin typeface="Consolas" panose="020B0609020204030204" pitchFamily="49" charset="0"/>
               </a:rPr>
-              <a:t>hub2-&gt; </a:t>
-            </a:r>
-            <a:r>
-              <a:rPr lang="en-GB" sz="1000" b="1" i="0" dirty="0" err="1">
+              <a:t>hub1-&gt; </a:t>
+            </a:r>
+            <a:r>
+              <a:rPr lang="en-GB" sz="1000" b="1" i="0" noProof="1">
                 <a:solidFill>
                   <a:srgbClr val="323130"/>
                 </a:solidFill>
@@ -31068,7 +30616,7 @@
               <a:t>defaultRouteTable</a:t>
             </a:r>
             <a:r>
-              <a:rPr lang="en-GB" sz="1000" dirty="0">
+              <a:rPr lang="en-GB" sz="1000" noProof="1">
                 <a:solidFill>
                   <a:schemeClr val="bg1"/>
                 </a:solidFill>
@@ -31077,7 +30625,7 @@
               <a:t> </a:t>
             </a:r>
             <a:r>
-              <a:rPr lang="en-GB" sz="1000" dirty="0">
+              <a:rPr lang="en-GB" sz="1000" noProof="1">
                 <a:latin typeface="Consolas" panose="020B0609020204030204" pitchFamily="49" charset="0"/>
               </a:rPr>
               <a:t>}</a:t>
@@ -31085,7 +30633,7 @@
           </a:p>
           <a:p>
             <a:r>
-              <a:rPr lang="en-GB" sz="1000" dirty="0">
+              <a:rPr lang="en-GB" sz="1000" noProof="1">
                 <a:latin typeface="Consolas" panose="020B0609020204030204" pitchFamily="49" charset="0"/>
               </a:rPr>
               <a:t>Propagating to labels:</a:t>
